--- a/Gestion et Documentation/Genie_Logiciel_ORAL.pptx
+++ b/Gestion et Documentation/Genie_Logiciel_ORAL.pptx
@@ -17116,7 +17116,7 @@
           </a:bodyPr>
           <a:lstStyle/>
           <a:p>
-            <a:pPr lvl="0"/>
+            <a:pPr lvl="0" algn="ctr"/>
             <a:r>
               <a:rPr lang="fr-FR" sz="2800" b="1" dirty="0"/>
               <a:t>Documentation-Tests-Conventions de codage</a:t>
